--- a/Chicago Crimes Analysis Project.pptx
+++ b/Chicago Crimes Analysis Project.pptx
@@ -7,6 +7,7 @@
   <p:sldIdLst>
     <p:sldId id="256" r:id="rId2"/>
     <p:sldId id="257" r:id="rId3"/>
+    <p:sldId id="258" r:id="rId4"/>
   </p:sldIdLst>
   <p:sldSz cx="12192000" cy="6858000"/>
   <p:notesSz cx="6858000" cy="9144000"/>
@@ -5676,68 +5677,10 @@
         </p:nvSpPr>
         <p:spPr>
           <a:xfrm>
-            <a:off x="606829" y="1338349"/>
-            <a:ext cx="10889673" cy="1263535"/>
-          </a:xfrm>
-        </p:spPr>
-        <p:txBody>
-          <a:bodyPr>
-            <a:normAutofit fontScale="90000"/>
-          </a:bodyPr>
-          <a:lstStyle/>
-          <a:p>
-            <a:pPr algn="ctr"/>
-            <a:r>
-              <a:rPr lang="en-US" sz="6700" dirty="0"/>
-              <a:t>Chicago crime ANALYSIS</a:t>
-            </a:r>
-            <a:br>
-              <a:rPr lang="en-US" dirty="0"/>
-            </a:br>
-            <a:r>
-              <a:rPr lang="en-US" sz="2200" dirty="0"/>
-              <a:t>Chicago’s Crime TREND from 2012-2016 </a:t>
-            </a:r>
-            <a:endParaRPr lang="en-US" dirty="0"/>
-          </a:p>
-        </p:txBody>
-      </p:sp>
-      <p:sp>
-        <p:nvSpPr>
-          <p:cNvPr id="3" name="Subtitle 2">
-            <a:extLst>
-              <a:ext uri="{FF2B5EF4-FFF2-40B4-BE49-F238E27FC236}">
-                <a16:creationId xmlns:a16="http://schemas.microsoft.com/office/drawing/2014/main" id="{DDED35C8-51F0-45E7-AF6D-A6B474EABF94}"/>
-              </a:ext>
-            </a:extLst>
-          </p:cNvPr>
-          <p:cNvSpPr>
-            <a:spLocks noGrp="1"/>
-          </p:cNvSpPr>
-          <p:nvPr>
-            <p:ph type="subTitle" idx="1"/>
-          </p:nvPr>
-        </p:nvSpPr>
-        <p:spPr>
-          <a:xfrm>
-            <a:off x="919942" y="3438698"/>
-            <a:ext cx="10352116" cy="344978"/>
-          </a:xfrm>
-        </p:spPr>
-        <p:style>
-          <a:lnRef idx="2">
-            <a:schemeClr val="dk1"/>
-          </a:lnRef>
-          <a:fillRef idx="1">
-            <a:schemeClr val="lt1"/>
-          </a:fillRef>
-          <a:effectRef idx="0">
-            <a:schemeClr val="dk1"/>
-          </a:effectRef>
-          <a:fontRef idx="minor">
-            <a:schemeClr val="dk1"/>
-          </a:fontRef>
-        </p:style>
+            <a:off x="606829" y="1296785"/>
+            <a:ext cx="10889673" cy="3100648"/>
+          </a:xfrm>
+        </p:spPr>
         <p:txBody>
           <a:bodyPr>
             <a:normAutofit/>
@@ -5746,9 +5689,17 @@
           <a:p>
             <a:pPr algn="ctr"/>
             <a:r>
-              <a:rPr lang="en-US" sz="1600" b="1" dirty="0"/>
-              <a:t>Source: Chicago Police Department's Citizen Law Enforcement Analysis and Reporting (CLEAR) system</a:t>
-            </a:r>
+              <a:rPr lang="en-US" sz="8000" dirty="0"/>
+              <a:t>Chicago crime ANALYSIS</a:t>
+            </a:r>
+            <a:br>
+              <a:rPr lang="en-US" sz="6600" dirty="0"/>
+            </a:br>
+            <a:r>
+              <a:rPr lang="en-US" sz="2400" dirty="0"/>
+              <a:t>Chicago’s Crime TREND from 2012-2016 </a:t>
+            </a:r>
+            <a:endParaRPr lang="en-US" sz="6600" dirty="0"/>
           </a:p>
         </p:txBody>
       </p:sp>
@@ -6076,6 +6027,157 @@
     <p:extLst>
       <p:ext uri="{BB962C8B-B14F-4D97-AF65-F5344CB8AC3E}">
         <p14:creationId xmlns:p14="http://schemas.microsoft.com/office/powerpoint/2010/main" val="101418541"/>
+      </p:ext>
+    </p:extLst>
+  </p:cSld>
+  <p:clrMapOvr>
+    <a:masterClrMapping/>
+  </p:clrMapOvr>
+</p:sld>
+</file>
+
+<file path=ppt/slides/slide3.xml><?xml version="1.0" encoding="utf-8"?>
+<p:sld xmlns:a="http://schemas.openxmlformats.org/drawingml/2006/main" xmlns:r="http://schemas.openxmlformats.org/officeDocument/2006/relationships" xmlns:p="http://schemas.openxmlformats.org/presentationml/2006/main">
+  <p:cSld>
+    <p:spTree>
+      <p:nvGrpSpPr>
+        <p:cNvPr id="1" name=""/>
+        <p:cNvGrpSpPr/>
+        <p:nvPr/>
+      </p:nvGrpSpPr>
+      <p:grpSpPr>
+        <a:xfrm>
+          <a:off x="0" y="0"/>
+          <a:ext cx="0" cy="0"/>
+          <a:chOff x="0" y="0"/>
+          <a:chExt cx="0" cy="0"/>
+        </a:xfrm>
+      </p:grpSpPr>
+      <p:sp>
+        <p:nvSpPr>
+          <p:cNvPr id="2" name="Title 1">
+            <a:extLst>
+              <a:ext uri="{FF2B5EF4-FFF2-40B4-BE49-F238E27FC236}">
+                <a16:creationId xmlns:a16="http://schemas.microsoft.com/office/drawing/2014/main" id="{0601BBB8-3045-45DC-8223-8CDDFEA80BE7}"/>
+              </a:ext>
+            </a:extLst>
+          </p:cNvPr>
+          <p:cNvSpPr>
+            <a:spLocks noGrp="1"/>
+          </p:cNvSpPr>
+          <p:nvPr>
+            <p:ph type="title"/>
+          </p:nvPr>
+        </p:nvSpPr>
+        <p:spPr/>
+        <p:txBody>
+          <a:bodyPr/>
+          <a:lstStyle/>
+          <a:p>
+            <a:r>
+              <a:rPr lang="en-US" dirty="0"/>
+              <a:t>BACKGROUND</a:t>
+            </a:r>
+          </a:p>
+        </p:txBody>
+      </p:sp>
+      <p:sp>
+        <p:nvSpPr>
+          <p:cNvPr id="3" name="Content Placeholder 2">
+            <a:extLst>
+              <a:ext uri="{FF2B5EF4-FFF2-40B4-BE49-F238E27FC236}">
+                <a16:creationId xmlns:a16="http://schemas.microsoft.com/office/drawing/2014/main" id="{1A4B8C27-4015-4599-8D1B-1BEAF12F41CD}"/>
+              </a:ext>
+            </a:extLst>
+          </p:cNvPr>
+          <p:cNvSpPr>
+            <a:spLocks noGrp="1"/>
+          </p:cNvSpPr>
+          <p:nvPr>
+            <p:ph idx="1"/>
+          </p:nvPr>
+        </p:nvSpPr>
+        <p:spPr>
+          <a:xfrm>
+            <a:off x="685800" y="1812176"/>
+            <a:ext cx="10820400" cy="4406510"/>
+          </a:xfrm>
+        </p:spPr>
+        <p:txBody>
+          <a:bodyPr/>
+          <a:lstStyle/>
+          <a:p>
+            <a:pPr marL="0" indent="0">
+              <a:buNone/>
+            </a:pPr>
+            <a:r>
+              <a:rPr lang="en-US" dirty="0"/>
+              <a:t>DESIGN TRACK</a:t>
+            </a:r>
+          </a:p>
+          <a:p>
+            <a:r>
+              <a:rPr lang="en-US" dirty="0"/>
+              <a:t>A dashboard page with multiple charts all updating from the same data</a:t>
+            </a:r>
+          </a:p>
+          <a:p>
+            <a:r>
+              <a:rPr lang="en-US" dirty="0"/>
+              <a:t>A GIS map created in Carto </a:t>
+            </a:r>
+          </a:p>
+          <a:p>
+            <a:pPr marL="0" indent="0">
+              <a:buNone/>
+            </a:pPr>
+            <a:endParaRPr lang="en-US" dirty="0"/>
+          </a:p>
+          <a:p>
+            <a:pPr marL="0" indent="0">
+              <a:buNone/>
+            </a:pPr>
+            <a:r>
+              <a:rPr lang="en-US" dirty="0"/>
+              <a:t>Data Sources:</a:t>
+            </a:r>
+          </a:p>
+          <a:p>
+            <a:r>
+              <a:rPr lang="en-US" dirty="0"/>
+              <a:t>City of Chicago Portal  CLEAR system – Crime Reports 2012-2016</a:t>
+            </a:r>
+          </a:p>
+          <a:p>
+            <a:pPr marL="0" indent="0">
+              <a:buNone/>
+            </a:pPr>
+            <a:endParaRPr lang="en-US"/>
+          </a:p>
+          <a:p>
+            <a:pPr marL="0" indent="0">
+              <a:buNone/>
+            </a:pPr>
+            <a:endParaRPr lang="en-US" dirty="0"/>
+          </a:p>
+          <a:p>
+            <a:pPr marL="0" indent="0">
+              <a:buNone/>
+            </a:pPr>
+            <a:endParaRPr lang="en-US" dirty="0"/>
+          </a:p>
+          <a:p>
+            <a:pPr marL="0" indent="0">
+              <a:buNone/>
+            </a:pPr>
+            <a:endParaRPr lang="en-US" dirty="0"/>
+          </a:p>
+        </p:txBody>
+      </p:sp>
+    </p:spTree>
+    <p:extLst>
+      <p:ext uri="{BB962C8B-B14F-4D97-AF65-F5344CB8AC3E}">
+        <p14:creationId xmlns:p14="http://schemas.microsoft.com/office/powerpoint/2010/main" val="1332086295"/>
       </p:ext>
     </p:extLst>
   </p:cSld>

--- a/Chicago Crimes Analysis Project.pptx
+++ b/Chicago Crimes Analysis Project.pptx
@@ -6,8 +6,8 @@
   </p:sldMasterIdLst>
   <p:sldIdLst>
     <p:sldId id="256" r:id="rId2"/>
-    <p:sldId id="257" r:id="rId3"/>
-    <p:sldId id="258" r:id="rId4"/>
+    <p:sldId id="258" r:id="rId3"/>
+    <p:sldId id="257" r:id="rId4"/>
   </p:sldIdLst>
   <p:sldSz cx="12192000" cy="6858000"/>
   <p:notesSz cx="6858000" cy="9144000"/>
@@ -106,6 +106,11 @@
       </a:defRPr>
     </a:lvl9pPr>
   </p:defaultTextStyle>
+  <p:extLst>
+    <p:ext uri="{EFAFB233-063F-42B5-8137-9DF3F51BA10A}">
+      <p15:sldGuideLst xmlns:p15="http://schemas.microsoft.com/office/powerpoint/2012/main"/>
+    </p:ext>
+  </p:extLst>
 </p:presentation>
 </file>
 
@@ -279,7 +284,7 @@
           <a:p>
             <a:fld id="{48A87A34-81AB-432B-8DAE-1953F412C126}" type="datetimeFigureOut">
               <a:rPr lang="en-US" dirty="0"/>
-              <a:t>6/2/2018</a:t>
+              <a:t>6/9/2018</a:t>
             </a:fld>
             <a:endParaRPr lang="en-US" dirty="0"/>
           </a:p>
@@ -541,7 +546,7 @@
           <a:p>
             <a:fld id="{48A87A34-81AB-432B-8DAE-1953F412C126}" type="datetimeFigureOut">
               <a:rPr lang="en-US" dirty="0"/>
-              <a:t>6/2/2018</a:t>
+              <a:t>6/9/2018</a:t>
             </a:fld>
             <a:endParaRPr lang="en-US" dirty="0"/>
           </a:p>
@@ -768,7 +773,7 @@
             <a:fld id="{48A87A34-81AB-432B-8DAE-1953F412C126}" type="datetimeFigureOut">
               <a:rPr lang="en-US" dirty="0"/>
               <a:pPr/>
-              <a:t>6/2/2018</a:t>
+              <a:t>6/9/2018</a:t>
             </a:fld>
             <a:endParaRPr lang="en-US" dirty="0"/>
           </a:p>
@@ -1074,7 +1079,7 @@
             <a:fld id="{48A87A34-81AB-432B-8DAE-1953F412C126}" type="datetimeFigureOut">
               <a:rPr lang="en-US" dirty="0"/>
               <a:pPr/>
-              <a:t>6/2/2018</a:t>
+              <a:t>6/9/2018</a:t>
             </a:fld>
             <a:endParaRPr lang="en-US" dirty="0"/>
           </a:p>
@@ -1543,7 +1548,7 @@
             <a:fld id="{48A87A34-81AB-432B-8DAE-1953F412C126}" type="datetimeFigureOut">
               <a:rPr lang="en-US" dirty="0"/>
               <a:pPr/>
-              <a:t>6/2/2018</a:t>
+              <a:t>6/9/2018</a:t>
             </a:fld>
             <a:endParaRPr lang="en-US" dirty="0"/>
           </a:p>
@@ -2085,7 +2090,7 @@
           <a:p>
             <a:fld id="{48A87A34-81AB-432B-8DAE-1953F412C126}" type="datetimeFigureOut">
               <a:rPr lang="en-US" dirty="0"/>
-              <a:t>6/2/2018</a:t>
+              <a:t>6/9/2018</a:t>
             </a:fld>
             <a:endParaRPr lang="en-US" dirty="0"/>
           </a:p>
@@ -2854,7 +2859,7 @@
           <a:p>
             <a:fld id="{48A87A34-81AB-432B-8DAE-1953F412C126}" type="datetimeFigureOut">
               <a:rPr lang="en-US" dirty="0"/>
-              <a:t>6/2/2018</a:t>
+              <a:t>6/9/2018</a:t>
             </a:fld>
             <a:endParaRPr lang="en-US" dirty="0"/>
           </a:p>
@@ -3024,7 +3029,7 @@
           <a:p>
             <a:fld id="{48A87A34-81AB-432B-8DAE-1953F412C126}" type="datetimeFigureOut">
               <a:rPr lang="en-US" dirty="0"/>
-              <a:t>6/2/2018</a:t>
+              <a:t>6/9/2018</a:t>
             </a:fld>
             <a:endParaRPr lang="en-US" dirty="0"/>
           </a:p>
@@ -3243,7 +3248,7 @@
             <a:fld id="{48A87A34-81AB-432B-8DAE-1953F412C126}" type="datetimeFigureOut">
               <a:rPr lang="en-US" dirty="0"/>
               <a:pPr/>
-              <a:t>6/2/2018</a:t>
+              <a:t>6/9/2018</a:t>
             </a:fld>
             <a:endParaRPr lang="en-US" dirty="0"/>
           </a:p>
@@ -3418,7 +3423,7 @@
           <a:p>
             <a:fld id="{48A87A34-81AB-432B-8DAE-1953F412C126}" type="datetimeFigureOut">
               <a:rPr lang="en-US" dirty="0"/>
-              <a:t>6/2/2018</a:t>
+              <a:t>6/9/2018</a:t>
             </a:fld>
             <a:endParaRPr lang="en-US" dirty="0"/>
           </a:p>
@@ -3703,7 +3708,7 @@
             <a:fld id="{48A87A34-81AB-432B-8DAE-1953F412C126}" type="datetimeFigureOut">
               <a:rPr lang="en-US" dirty="0"/>
               <a:pPr/>
-              <a:t>6/2/2018</a:t>
+              <a:t>6/9/2018</a:t>
             </a:fld>
             <a:endParaRPr lang="en-US" dirty="0"/>
           </a:p>
@@ -3940,7 +3945,7 @@
           <a:p>
             <a:fld id="{48A87A34-81AB-432B-8DAE-1953F412C126}" type="datetimeFigureOut">
               <a:rPr lang="en-US" dirty="0"/>
-              <a:t>6/2/2018</a:t>
+              <a:t>6/9/2018</a:t>
             </a:fld>
             <a:endParaRPr lang="en-US" dirty="0"/>
           </a:p>
@@ -4314,7 +4319,7 @@
           <a:p>
             <a:fld id="{48A87A34-81AB-432B-8DAE-1953F412C126}" type="datetimeFigureOut">
               <a:rPr lang="en-US" dirty="0"/>
-              <a:t>6/2/2018</a:t>
+              <a:t>6/9/2018</a:t>
             </a:fld>
             <a:endParaRPr lang="en-US" dirty="0"/>
           </a:p>
@@ -4427,7 +4432,7 @@
           <a:p>
             <a:fld id="{48A87A34-81AB-432B-8DAE-1953F412C126}" type="datetimeFigureOut">
               <a:rPr lang="en-US" dirty="0"/>
-              <a:t>6/2/2018</a:t>
+              <a:t>6/9/2018</a:t>
             </a:fld>
             <a:endParaRPr lang="en-US" dirty="0"/>
           </a:p>
@@ -4517,7 +4522,7 @@
           <a:p>
             <a:fld id="{48A87A34-81AB-432B-8DAE-1953F412C126}" type="datetimeFigureOut">
               <a:rPr lang="en-US" dirty="0"/>
-              <a:t>6/2/2018</a:t>
+              <a:t>6/9/2018</a:t>
             </a:fld>
             <a:endParaRPr lang="en-US" dirty="0"/>
           </a:p>
@@ -4761,7 +4766,7 @@
           <a:p>
             <a:fld id="{48A87A34-81AB-432B-8DAE-1953F412C126}" type="datetimeFigureOut">
               <a:rPr lang="en-US" dirty="0"/>
-              <a:t>6/2/2018</a:t>
+              <a:t>6/9/2018</a:t>
             </a:fld>
             <a:endParaRPr lang="en-US" dirty="0"/>
           </a:p>
@@ -5013,7 +5018,7 @@
           <a:p>
             <a:fld id="{48A87A34-81AB-432B-8DAE-1953F412C126}" type="datetimeFigureOut">
               <a:rPr lang="en-US" dirty="0"/>
-              <a:t>6/2/2018</a:t>
+              <a:t>6/9/2018</a:t>
             </a:fld>
             <a:endParaRPr lang="en-US" dirty="0"/>
           </a:p>
@@ -5252,7 +5257,7 @@
             <a:fld id="{48A87A34-81AB-432B-8DAE-1953F412C126}" type="datetimeFigureOut">
               <a:rPr lang="en-US" dirty="0"/>
               <a:pPr/>
-              <a:t>6/2/2018</a:t>
+              <a:t>6/9/2018</a:t>
             </a:fld>
             <a:endParaRPr lang="en-US" dirty="0"/>
           </a:p>
@@ -5955,7 +5960,7 @@
           <p:cNvPr id="2" name="Title 1">
             <a:extLst>
               <a:ext uri="{FF2B5EF4-FFF2-40B4-BE49-F238E27FC236}">
-                <a16:creationId xmlns:a16="http://schemas.microsoft.com/office/drawing/2014/main" id="{70DC67C2-B081-480D-A953-E94AE8D39C1C}"/>
+                <a16:creationId xmlns:a16="http://schemas.microsoft.com/office/drawing/2014/main" id="{0601BBB8-3045-45DC-8223-8CDDFEA80BE7}"/>
               </a:ext>
             </a:extLst>
           </p:cNvPr>
@@ -5971,12 +5976,9 @@
           <a:bodyPr/>
           <a:lstStyle/>
           <a:p>
-            <a:br>
+            <a:r>
               <a:rPr lang="en-US" dirty="0"/>
-            </a:br>
-            <a:r>
-              <a:rPr lang="en-US" dirty="0"/>
-              <a:t>Background</a:t>
+              <a:t>BACKGROUND</a:t>
             </a:r>
           </a:p>
         </p:txBody>
@@ -5986,7 +5988,7 @@
           <p:cNvPr id="3" name="Content Placeholder 2">
             <a:extLst>
               <a:ext uri="{FF2B5EF4-FFF2-40B4-BE49-F238E27FC236}">
-                <a16:creationId xmlns:a16="http://schemas.microsoft.com/office/drawing/2014/main" id="{5617E2BA-4819-44B0-A19B-5C280E46D733}"/>
+                <a16:creationId xmlns:a16="http://schemas.microsoft.com/office/drawing/2014/main" id="{1A4B8C27-4015-4599-8D1B-1BEAF12F41CD}"/>
               </a:ext>
             </a:extLst>
           </p:cNvPr>
@@ -5997,36 +5999,108 @@
             <p:ph idx="1"/>
           </p:nvPr>
         </p:nvSpPr>
-        <p:spPr/>
-        <p:txBody>
-          <a:bodyPr/>
-          <a:lstStyle/>
-          <a:p>
+        <p:spPr>
+          <a:xfrm>
+            <a:off x="685800" y="1812176"/>
+            <a:ext cx="10820400" cy="4406510"/>
+          </a:xfrm>
+        </p:spPr>
+        <p:txBody>
+          <a:bodyPr>
+            <a:normAutofit lnSpcReduction="10000"/>
+          </a:bodyPr>
+          <a:lstStyle/>
+          <a:p>
+            <a:pPr marL="0" indent="0">
+              <a:buNone/>
+            </a:pPr>
             <a:r>
               <a:rPr lang="en-US" dirty="0"/>
-              <a:t>Data Sources</a:t>
-            </a:r>
-          </a:p>
-          <a:p>
-            <a:pPr lvl="1"/>
+              <a:t>DESIGN TRACK</a:t>
+            </a:r>
+          </a:p>
+          <a:p>
             <a:r>
               <a:rPr lang="en-US" dirty="0"/>
-              <a:t>Chicago Police Department CLEAR system</a:t>
-            </a:r>
-          </a:p>
-          <a:p>
-            <a:pPr lvl="1"/>
+              <a:t>A dashboard page with multiple interactive charts all referencing the same data source</a:t>
+            </a:r>
+          </a:p>
+          <a:p>
             <a:r>
               <a:rPr lang="en-US" dirty="0"/>
-              <a:t> </a:t>
-            </a:r>
+              <a:t>Interactive map created in Carto </a:t>
+            </a:r>
+          </a:p>
+          <a:p>
+            <a:r>
+              <a:rPr lang="en-US" dirty="0"/>
+              <a:t>Interactive Histogram and Pie Chart using </a:t>
+            </a:r>
+            <a:r>
+              <a:rPr lang="en-US" dirty="0" err="1"/>
+              <a:t>Plotly</a:t>
+            </a:r>
+            <a:endParaRPr lang="en-US" dirty="0"/>
+          </a:p>
+          <a:p>
+            <a:r>
+              <a:rPr lang="en-US" dirty="0"/>
+              <a:t>Project includes Flask, SQLite, </a:t>
+            </a:r>
+            <a:r>
+              <a:rPr lang="en-US" dirty="0" err="1"/>
+              <a:t>Javascript</a:t>
+            </a:r>
+            <a:r>
+              <a:rPr lang="en-US" dirty="0"/>
+              <a:t>, HTML/CSS, Heroku</a:t>
+            </a:r>
+          </a:p>
+          <a:p>
+            <a:r>
+              <a:rPr lang="en-US" dirty="0"/>
+              <a:t>Intended to use Bellybutton Project as template</a:t>
+            </a:r>
+          </a:p>
+          <a:p>
+            <a:pPr marL="0" indent="0">
+              <a:buNone/>
+            </a:pPr>
+            <a:endParaRPr lang="en-US" dirty="0"/>
+          </a:p>
+          <a:p>
+            <a:pPr marL="0" indent="0">
+              <a:buNone/>
+            </a:pPr>
+            <a:r>
+              <a:rPr lang="en-US" dirty="0"/>
+              <a:t>Data Sources:</a:t>
+            </a:r>
+          </a:p>
+          <a:p>
+            <a:r>
+              <a:rPr lang="en-US" dirty="0"/>
+              <a:t>City of Chicago Portal  CLEAR system – Crime Reports 2012-2016</a:t>
+            </a:r>
+          </a:p>
+          <a:p>
+            <a:r>
+              <a:rPr lang="en-US" dirty="0"/>
+              <a:t>Chicago neighborhood boundary map from Carto </a:t>
+            </a:r>
+          </a:p>
+          <a:p>
+            <a:pPr marL="0" indent="0">
+              <a:buNone/>
+            </a:pPr>
+            <a:endParaRPr lang="en-US" dirty="0"/>
           </a:p>
         </p:txBody>
       </p:sp>
     </p:spTree>
     <p:extLst>
       <p:ext uri="{BB962C8B-B14F-4D97-AF65-F5344CB8AC3E}">
-        <p14:creationId xmlns:p14="http://schemas.microsoft.com/office/powerpoint/2010/main" val="101418541"/>
+        <p14:creationId xmlns:p14="http://schemas.microsoft.com/office/powerpoint/2010/main" val="1332086295"/>
       </p:ext>
     </p:extLst>
   </p:cSld>
@@ -6058,7 +6132,7 @@
           <p:cNvPr id="2" name="Title 1">
             <a:extLst>
               <a:ext uri="{FF2B5EF4-FFF2-40B4-BE49-F238E27FC236}">
-                <a16:creationId xmlns:a16="http://schemas.microsoft.com/office/drawing/2014/main" id="{0601BBB8-3045-45DC-8223-8CDDFEA80BE7}"/>
+                <a16:creationId xmlns:a16="http://schemas.microsoft.com/office/drawing/2014/main" id="{70DC67C2-B081-480D-A953-E94AE8D39C1C}"/>
               </a:ext>
             </a:extLst>
           </p:cNvPr>
@@ -6074,9 +6148,12 @@
           <a:bodyPr/>
           <a:lstStyle/>
           <a:p>
-            <a:r>
+            <a:br>
               <a:rPr lang="en-US" dirty="0"/>
-              <a:t>BACKGROUND</a:t>
+            </a:br>
+            <a:r>
+              <a:rPr lang="en-US" dirty="0"/>
+              <a:t>Issues/CONCLUSION</a:t>
             </a:r>
           </a:p>
         </p:txBody>
@@ -6086,7 +6163,7 @@
           <p:cNvPr id="3" name="Content Placeholder 2">
             <a:extLst>
               <a:ext uri="{FF2B5EF4-FFF2-40B4-BE49-F238E27FC236}">
-                <a16:creationId xmlns:a16="http://schemas.microsoft.com/office/drawing/2014/main" id="{1A4B8C27-4015-4599-8D1B-1BEAF12F41CD}"/>
+                <a16:creationId xmlns:a16="http://schemas.microsoft.com/office/drawing/2014/main" id="{5617E2BA-4819-44B0-A19B-5C280E46D733}"/>
               </a:ext>
             </a:extLst>
           </p:cNvPr>
@@ -6097,79 +6174,67 @@
             <p:ph idx="1"/>
           </p:nvPr>
         </p:nvSpPr>
-        <p:spPr>
-          <a:xfrm>
-            <a:off x="685800" y="1812176"/>
-            <a:ext cx="10820400" cy="4406510"/>
-          </a:xfrm>
-        </p:spPr>
-        <p:txBody>
-          <a:bodyPr/>
-          <a:lstStyle/>
-          <a:p>
-            <a:pPr marL="0" indent="0">
+        <p:spPr/>
+        <p:txBody>
+          <a:bodyPr>
+            <a:normAutofit/>
+          </a:bodyPr>
+          <a:lstStyle/>
+          <a:p>
+            <a:r>
+              <a:rPr lang="en-US" dirty="0"/>
+              <a:t>ISSUES</a:t>
+            </a:r>
+          </a:p>
+          <a:p>
+            <a:pPr lvl="1"/>
+            <a:r>
+              <a:rPr lang="en-US" sz="2200" dirty="0"/>
+              <a:t>Started with 1.45MM records from 2012-2016. Final sample in our visualization is 100,000 for 2016 only.</a:t>
+            </a:r>
+          </a:p>
+          <a:p>
+            <a:pPr lvl="1"/>
+            <a:r>
+              <a:rPr lang="en-US" dirty="0"/>
+              <a:t>Couldn’t get SQLite to work correctly.</a:t>
+            </a:r>
+          </a:p>
+          <a:p>
+            <a:pPr lvl="1"/>
+            <a:r>
+              <a:rPr lang="en-US" dirty="0"/>
+              <a:t>Permission and security issues with source data.</a:t>
+            </a:r>
+          </a:p>
+          <a:p>
+            <a:pPr lvl="1"/>
+            <a:r>
+              <a:rPr lang="en-US" dirty="0"/>
+              <a:t>Transforming the data so many times exacerbated our problems.</a:t>
+            </a:r>
+          </a:p>
+          <a:p>
+            <a:r>
+              <a:rPr lang="en-US" dirty="0"/>
+              <a:t>CONCLUSION</a:t>
+            </a:r>
+          </a:p>
+          <a:p>
+            <a:pPr lvl="1"/>
+            <a:r>
+              <a:rPr lang="en-US" dirty="0"/>
+              <a:t>Where do you want to start?</a:t>
+            </a:r>
+          </a:p>
+          <a:p>
+            <a:pPr marL="457200" lvl="1" indent="0">
               <a:buNone/>
             </a:pPr>
-            <a:r>
-              <a:rPr lang="en-US" dirty="0"/>
-              <a:t>DESIGN TRACK</a:t>
-            </a:r>
-          </a:p>
-          <a:p>
-            <a:r>
-              <a:rPr lang="en-US" dirty="0"/>
-              <a:t>A dashboard page with multiple charts all updating from the same data</a:t>
-            </a:r>
-          </a:p>
-          <a:p>
-            <a:r>
-              <a:rPr lang="en-US" dirty="0"/>
-              <a:t>A GIS map created in Carto </a:t>
-            </a:r>
-          </a:p>
-          <a:p>
-            <a:pPr marL="0" indent="0">
-              <a:buNone/>
-            </a:pPr>
-            <a:endParaRPr lang="en-US" dirty="0"/>
-          </a:p>
-          <a:p>
-            <a:pPr marL="0" indent="0">
-              <a:buNone/>
-            </a:pPr>
-            <a:r>
-              <a:rPr lang="en-US" dirty="0"/>
-              <a:t>Data Sources:</a:t>
-            </a:r>
-          </a:p>
-          <a:p>
-            <a:r>
-              <a:rPr lang="en-US" dirty="0"/>
-              <a:t>City of Chicago Portal  CLEAR system – Crime Reports 2012-2016</a:t>
-            </a:r>
-          </a:p>
-          <a:p>
-            <a:pPr marL="0" indent="0">
-              <a:buNone/>
-            </a:pPr>
-            <a:endParaRPr lang="en-US"/>
-          </a:p>
-          <a:p>
-            <a:pPr marL="0" indent="0">
-              <a:buNone/>
-            </a:pPr>
-            <a:endParaRPr lang="en-US" dirty="0"/>
-          </a:p>
-          <a:p>
-            <a:pPr marL="0" indent="0">
-              <a:buNone/>
-            </a:pPr>
-            <a:endParaRPr lang="en-US" dirty="0"/>
-          </a:p>
-          <a:p>
-            <a:pPr marL="0" indent="0">
-              <a:buNone/>
-            </a:pPr>
+            <a:endParaRPr lang="en-US" dirty="0"/>
+          </a:p>
+          <a:p>
+            <a:pPr lvl="1"/>
             <a:endParaRPr lang="en-US" dirty="0"/>
           </a:p>
         </p:txBody>
@@ -6177,7 +6242,7 @@
     </p:spTree>
     <p:extLst>
       <p:ext uri="{BB962C8B-B14F-4D97-AF65-F5344CB8AC3E}">
-        <p14:creationId xmlns:p14="http://schemas.microsoft.com/office/powerpoint/2010/main" val="1332086295"/>
+        <p14:creationId xmlns:p14="http://schemas.microsoft.com/office/powerpoint/2010/main" val="101418541"/>
       </p:ext>
     </p:extLst>
   </p:cSld>
